--- a/slide/slide.pptx
+++ b/slide/slide.pptx
@@ -112,6 +112,11 @@
       </a:defRPr>
     </a:lvl9pPr>
   </p:defaultTextStyle>
+  <p:extLst>
+    <p:ext uri="{EFAFB233-063F-42B5-8137-9DF3F51BA10A}">
+      <p15:sldGuideLst xmlns:p15="http://schemas.microsoft.com/office/powerpoint/2012/main"/>
+    </p:ext>
+  </p:extLst>
 </p:presentation>
 </file>
 
@@ -3078,11 +3083,11 @@
   <p:clrMapOvr>
     <a:masterClrMapping/>
   </p:clrMapOvr>
-  <mc:AlternateContent xmlns:mc="http://schemas.openxmlformats.org/markup-compatibility/2006">
-    <mc:Choice xmlns:p14="http://schemas.microsoft.com/office/powerpoint/2010/main" Requires="p14">
+  <mc:AlternateContent xmlns:mc="http://schemas.openxmlformats.org/markup-compatibility/2006" xmlns:p14="http://schemas.microsoft.com/office/powerpoint/2010/main">
+    <mc:Choice Requires="p14">
       <p:transition spd="slow" p14:dur="2000" advTm="16364"/>
     </mc:Choice>
-    <mc:Fallback>
+    <mc:Fallback xmlns="">
       <p:transition spd="slow" advTm="16364"/>
     </mc:Fallback>
   </mc:AlternateContent>
@@ -3157,11 +3162,11 @@
   <p:clrMapOvr>
     <a:masterClrMapping/>
   </p:clrMapOvr>
-  <mc:AlternateContent xmlns:mc="http://schemas.openxmlformats.org/markup-compatibility/2006">
-    <mc:Choice xmlns:p14="http://schemas.microsoft.com/office/powerpoint/2010/main" Requires="p14">
+  <mc:AlternateContent xmlns:mc="http://schemas.openxmlformats.org/markup-compatibility/2006" xmlns:p14="http://schemas.microsoft.com/office/powerpoint/2010/main">
+    <mc:Choice Requires="p14">
       <p:transition spd="slow" p14:dur="2000" advTm="13158"/>
     </mc:Choice>
-    <mc:Fallback>
+    <mc:Fallback xmlns="">
       <p:transition spd="slow" advTm="13158"/>
     </mc:Fallback>
   </mc:AlternateContent>
@@ -3292,11 +3297,11 @@
   <p:clrMapOvr>
     <a:masterClrMapping/>
   </p:clrMapOvr>
-  <mc:AlternateContent xmlns:mc="http://schemas.openxmlformats.org/markup-compatibility/2006">
-    <mc:Choice xmlns:p14="http://schemas.microsoft.com/office/powerpoint/2010/main" Requires="p14">
+  <mc:AlternateContent xmlns:mc="http://schemas.openxmlformats.org/markup-compatibility/2006" xmlns:p14="http://schemas.microsoft.com/office/powerpoint/2010/main">
+    <mc:Choice Requires="p14">
       <p:transition spd="slow" p14:dur="2000" advTm="57511"/>
     </mc:Choice>
-    <mc:Fallback>
+    <mc:Fallback xmlns="">
       <p:transition spd="slow" advTm="57511"/>
     </mc:Fallback>
   </mc:AlternateContent>
@@ -3421,11 +3426,11 @@
   <p:clrMapOvr>
     <a:masterClrMapping/>
   </p:clrMapOvr>
-  <mc:AlternateContent xmlns:mc="http://schemas.openxmlformats.org/markup-compatibility/2006">
-    <mc:Choice xmlns:p14="http://schemas.microsoft.com/office/powerpoint/2010/main" Requires="p14">
+  <mc:AlternateContent xmlns:mc="http://schemas.openxmlformats.org/markup-compatibility/2006" xmlns:p14="http://schemas.microsoft.com/office/powerpoint/2010/main">
+    <mc:Choice Requires="p14">
       <p:transition spd="slow" p14:dur="2000" advTm="122474"/>
     </mc:Choice>
-    <mc:Fallback>
+    <mc:Fallback xmlns="">
       <p:transition spd="slow" advTm="122474"/>
     </mc:Fallback>
   </mc:AlternateContent>
@@ -3553,11 +3558,11 @@
   <p:clrMapOvr>
     <a:masterClrMapping/>
   </p:clrMapOvr>
-  <mc:AlternateContent xmlns:mc="http://schemas.openxmlformats.org/markup-compatibility/2006">
-    <mc:Choice xmlns:p14="http://schemas.microsoft.com/office/powerpoint/2010/main" Requires="p14">
+  <mc:AlternateContent xmlns:mc="http://schemas.openxmlformats.org/markup-compatibility/2006" xmlns:p14="http://schemas.microsoft.com/office/powerpoint/2010/main">
+    <mc:Choice Requires="p14">
       <p:transition spd="slow" p14:dur="2000" advTm="12546"/>
     </mc:Choice>
-    <mc:Fallback>
+    <mc:Fallback xmlns="">
       <p:transition spd="slow" advTm="12546"/>
     </mc:Fallback>
   </mc:AlternateContent>
@@ -3624,10 +3629,63 @@
               </a:rPr>
               <a:t>3D rendering &amp; operation</a:t>
             </a:r>
+          </a:p>
+        </p:txBody>
+      </p:sp>
+      <p:sp>
+        <p:nvSpPr>
+          <p:cNvPr id="3" name="文本框 2"/>
+          <p:cNvSpPr txBox="1"/>
+          <p:nvPr/>
+        </p:nvSpPr>
+        <p:spPr>
+          <a:xfrm>
+            <a:off x="1150968" y="2006226"/>
+            <a:ext cx="6000460" cy="2862322"/>
+          </a:xfrm>
+          <a:prstGeom prst="rect">
+            <a:avLst/>
+          </a:prstGeom>
+          <a:noFill/>
+        </p:spPr>
+        <p:txBody>
+          <a:bodyPr wrap="square" rtlCol="0">
+            <a:spAutoFit/>
+          </a:bodyPr>
+          <a:lstStyle/>
+          <a:p>
+            <a:pPr marL="285744" indent="-285744">
+              <a:lnSpc>
+                <a:spcPct val="250000"/>
+              </a:lnSpc>
+              <a:buFont typeface="Arial" panose="020B0604020202020204" pitchFamily="34" charset="0"/>
+              <a:buChar char="•"/>
+            </a:pPr>
+            <a:r>
+              <a:rPr lang="en-US" altLang="zh-CN" sz="3600" dirty="0" smtClean="0">
+                <a:latin typeface="Adobe Garamond Pro" panose="02020502060506020403" pitchFamily="18" charset="0"/>
+              </a:rPr>
+              <a:t>Rotation</a:t>
+            </a:r>
+            <a:endParaRPr lang="en-US" altLang="zh-CN" sz="3600" dirty="0" smtClean="0">
+              <a:latin typeface="Adobe Garamond Pro" panose="02020502060506020403" pitchFamily="18" charset="0"/>
+            </a:endParaRPr>
+          </a:p>
+          <a:p>
+            <a:pPr marL="285744" indent="-285744">
+              <a:lnSpc>
+                <a:spcPct val="250000"/>
+              </a:lnSpc>
+              <a:buFont typeface="Arial" panose="020B0604020202020204" pitchFamily="34" charset="0"/>
+              <a:buChar char="•"/>
+            </a:pPr>
+            <a:r>
+              <a:rPr lang="en-US" altLang="zh-CN" sz="3600" dirty="0" smtClean="0">
+                <a:latin typeface="Adobe Garamond Pro" panose="02020502060506020403" pitchFamily="18" charset="0"/>
+              </a:rPr>
+              <a:t>Animation</a:t>
+            </a:r>
             <a:endParaRPr lang="en-US" altLang="zh-CN" sz="3600" dirty="0">
-              <a:solidFill>
-                <a:prstClr val="black"/>
-              </a:solidFill>
               <a:latin typeface="Adobe Garamond Pro" panose="02020502060506020403" pitchFamily="18" charset="0"/>
             </a:endParaRPr>
           </a:p>
@@ -3643,11 +3701,11 @@
   <p:clrMapOvr>
     <a:masterClrMapping/>
   </p:clrMapOvr>
-  <mc:AlternateContent xmlns:mc="http://schemas.openxmlformats.org/markup-compatibility/2006">
-    <mc:Choice xmlns:p14="http://schemas.microsoft.com/office/powerpoint/2010/main" Requires="p14">
+  <mc:AlternateContent xmlns:mc="http://schemas.openxmlformats.org/markup-compatibility/2006" xmlns:p14="http://schemas.microsoft.com/office/powerpoint/2010/main">
+    <mc:Choice Requires="p14">
       <p:transition spd="slow" p14:dur="2000" advTm="5077"/>
     </mc:Choice>
-    <mc:Fallback>
+    <mc:Fallback xmlns="">
       <p:transition spd="slow" advTm="5077"/>
     </mc:Fallback>
   </mc:AlternateContent>
@@ -3904,11 +3962,11 @@
   <p:clrMapOvr>
     <a:masterClrMapping/>
   </p:clrMapOvr>
-  <mc:AlternateContent xmlns:mc="http://schemas.openxmlformats.org/markup-compatibility/2006">
-    <mc:Choice xmlns:p14="http://schemas.microsoft.com/office/powerpoint/2010/main" Requires="p14">
+  <mc:AlternateContent xmlns:mc="http://schemas.openxmlformats.org/markup-compatibility/2006" xmlns:p14="http://schemas.microsoft.com/office/powerpoint/2010/main">
+    <mc:Choice Requires="p14">
       <p:transition spd="slow" p14:dur="2000" advTm="67988"/>
     </mc:Choice>
-    <mc:Fallback>
+    <mc:Fallback xmlns="">
       <p:transition spd="slow" advTm="67988"/>
     </mc:Fallback>
   </mc:AlternateContent>
@@ -4042,11 +4100,11 @@
   <p:clrMapOvr>
     <a:masterClrMapping/>
   </p:clrMapOvr>
-  <mc:AlternateContent xmlns:mc="http://schemas.openxmlformats.org/markup-compatibility/2006">
-    <mc:Choice xmlns:p14="http://schemas.microsoft.com/office/powerpoint/2010/main" Requires="p14">
+  <mc:AlternateContent xmlns:mc="http://schemas.openxmlformats.org/markup-compatibility/2006" xmlns:p14="http://schemas.microsoft.com/office/powerpoint/2010/main">
+    <mc:Choice Requires="p14">
       <p:transition spd="slow" p14:dur="2000" advTm="85098"/>
     </mc:Choice>
-    <mc:Fallback>
+    <mc:Fallback xmlns="">
       <p:transition spd="slow" advTm="85098"/>
     </mc:Fallback>
   </mc:AlternateContent>
@@ -4121,11 +4179,11 @@
   <p:clrMapOvr>
     <a:masterClrMapping/>
   </p:clrMapOvr>
-  <mc:AlternateContent xmlns:mc="http://schemas.openxmlformats.org/markup-compatibility/2006">
-    <mc:Choice xmlns:p14="http://schemas.microsoft.com/office/powerpoint/2010/main" Requires="p14">
+  <mc:AlternateContent xmlns:mc="http://schemas.openxmlformats.org/markup-compatibility/2006" xmlns:p14="http://schemas.microsoft.com/office/powerpoint/2010/main">
+    <mc:Choice Requires="p14">
       <p:transition spd="slow" p14:dur="2000" advTm="2240"/>
     </mc:Choice>
-    <mc:Fallback>
+    <mc:Fallback xmlns="">
       <p:transition spd="slow" advTm="2240"/>
     </mc:Fallback>
   </mc:AlternateContent>

--- a/slide/slide.pptx
+++ b/slide/slide.pptx
@@ -3601,7 +3601,7 @@
         </p:nvSpPr>
         <p:spPr>
           <a:xfrm>
-            <a:off x="1833350" y="191069"/>
+            <a:off x="1848590" y="-100082"/>
             <a:ext cx="7465325" cy="1269578"/>
           </a:xfrm>
           <a:prstGeom prst="rect">
@@ -3632,62 +3632,217 @@
           </a:p>
         </p:txBody>
       </p:sp>
-      <p:sp>
-        <p:nvSpPr>
-          <p:cNvPr id="3" name="文本框 2"/>
-          <p:cNvSpPr txBox="1"/>
+      <p:pic>
+        <p:nvPicPr>
+          <p:cNvPr id="10" name="图片 9"/>
+          <p:cNvPicPr>
+            <a:picLocks noChangeAspect="1"/>
+          </p:cNvPicPr>
           <p:nvPr/>
-        </p:nvSpPr>
+        </p:nvPicPr>
+        <p:blipFill>
+          <a:blip r:embed="rId2"/>
+          <a:stretch>
+            <a:fillRect/>
+          </a:stretch>
+        </p:blipFill>
         <p:spPr>
           <a:xfrm>
-            <a:off x="1150968" y="2006226"/>
-            <a:ext cx="6000460" cy="2862322"/>
+            <a:off x="452439" y="1364851"/>
+            <a:ext cx="8239125" cy="4619625"/>
           </a:xfrm>
           <a:prstGeom prst="rect">
             <a:avLst/>
           </a:prstGeom>
+        </p:spPr>
+      </p:pic>
+      <p:sp>
+        <p:nvSpPr>
+          <p:cNvPr id="11" name="圆角右箭头 10"/>
+          <p:cNvSpPr/>
+          <p:nvPr/>
+        </p:nvSpPr>
+        <p:spPr>
+          <a:xfrm rot="19965831">
+            <a:off x="4771958" y="3000590"/>
+            <a:ext cx="382126" cy="377498"/>
+          </a:xfrm>
+          <a:prstGeom prst="bentArrow">
+            <a:avLst>
+              <a:gd name="adj1" fmla="val 13889"/>
+              <a:gd name="adj2" fmla="val 25000"/>
+              <a:gd name="adj3" fmla="val 36111"/>
+              <a:gd name="adj4" fmla="val 28195"/>
+            </a:avLst>
+          </a:prstGeom>
+        </p:spPr>
+        <p:style>
+          <a:lnRef idx="2">
+            <a:schemeClr val="accent1">
+              <a:shade val="50000"/>
+            </a:schemeClr>
+          </a:lnRef>
+          <a:fillRef idx="1">
+            <a:schemeClr val="accent1"/>
+          </a:fillRef>
+          <a:effectRef idx="0">
+            <a:schemeClr val="accent1"/>
+          </a:effectRef>
+          <a:fontRef idx="minor">
+            <a:schemeClr val="lt1"/>
+          </a:fontRef>
+        </p:style>
+        <p:txBody>
+          <a:bodyPr rtlCol="0" anchor="ctr"/>
+          <a:lstStyle/>
+          <a:p>
+            <a:pPr algn="ctr"/>
+            <a:endParaRPr lang="zh-CN" altLang="en-US">
+              <a:solidFill>
+                <a:schemeClr val="tx1"/>
+              </a:solidFill>
+            </a:endParaRPr>
+          </a:p>
+        </p:txBody>
+      </p:sp>
+      <p:sp>
+        <p:nvSpPr>
+          <p:cNvPr id="14" name="圆角右箭头 13"/>
+          <p:cNvSpPr/>
+          <p:nvPr/>
+        </p:nvSpPr>
+        <p:spPr>
+          <a:xfrm rot="8099861" flipH="1">
+            <a:off x="5070593" y="3394831"/>
+            <a:ext cx="378384" cy="365133"/>
+          </a:xfrm>
+          <a:prstGeom prst="bentArrow">
+            <a:avLst>
+              <a:gd name="adj1" fmla="val 13889"/>
+              <a:gd name="adj2" fmla="val 25000"/>
+              <a:gd name="adj3" fmla="val 36111"/>
+              <a:gd name="adj4" fmla="val 28195"/>
+            </a:avLst>
+          </a:prstGeom>
+        </p:spPr>
+        <p:style>
+          <a:lnRef idx="2">
+            <a:schemeClr val="accent1">
+              <a:shade val="50000"/>
+            </a:schemeClr>
+          </a:lnRef>
+          <a:fillRef idx="1">
+            <a:schemeClr val="accent1"/>
+          </a:fillRef>
+          <a:effectRef idx="0">
+            <a:schemeClr val="accent1"/>
+          </a:effectRef>
+          <a:fontRef idx="minor">
+            <a:schemeClr val="lt1"/>
+          </a:fontRef>
+        </p:style>
+        <p:txBody>
+          <a:bodyPr rtlCol="0" anchor="ctr"/>
+          <a:lstStyle/>
+          <a:p>
+            <a:pPr algn="ctr"/>
+            <a:endParaRPr lang="zh-CN" altLang="en-US">
+              <a:solidFill>
+                <a:schemeClr val="tx1"/>
+              </a:solidFill>
+            </a:endParaRPr>
+          </a:p>
+        </p:txBody>
+      </p:sp>
+      <p:sp>
+        <p:nvSpPr>
+          <p:cNvPr id="17" name="椭圆 16"/>
+          <p:cNvSpPr/>
+          <p:nvPr/>
+        </p:nvSpPr>
+        <p:spPr>
+          <a:xfrm>
+            <a:off x="4788959" y="3464909"/>
+            <a:ext cx="176274" cy="177528"/>
+          </a:xfrm>
+          <a:prstGeom prst="ellipse">
+            <a:avLst/>
+          </a:prstGeom>
           <a:noFill/>
-        </p:spPr>
-        <p:txBody>
-          <a:bodyPr wrap="square" rtlCol="0">
-            <a:spAutoFit/>
-          </a:bodyPr>
-          <a:lstStyle/>
-          <a:p>
-            <a:pPr marL="285744" indent="-285744">
-              <a:lnSpc>
-                <a:spcPct val="250000"/>
-              </a:lnSpc>
-              <a:buFont typeface="Arial" panose="020B0604020202020204" pitchFamily="34" charset="0"/>
-              <a:buChar char="•"/>
-            </a:pPr>
-            <a:r>
-              <a:rPr lang="en-US" altLang="zh-CN" sz="3600" dirty="0" smtClean="0">
-                <a:latin typeface="Adobe Garamond Pro" panose="02020502060506020403" pitchFamily="18" charset="0"/>
-              </a:rPr>
-              <a:t>Rotation</a:t>
-            </a:r>
-            <a:endParaRPr lang="en-US" altLang="zh-CN" sz="3600" dirty="0" smtClean="0">
-              <a:latin typeface="Adobe Garamond Pro" panose="02020502060506020403" pitchFamily="18" charset="0"/>
-            </a:endParaRPr>
-          </a:p>
-          <a:p>
-            <a:pPr marL="285744" indent="-285744">
-              <a:lnSpc>
-                <a:spcPct val="250000"/>
-              </a:lnSpc>
-              <a:buFont typeface="Arial" panose="020B0604020202020204" pitchFamily="34" charset="0"/>
-              <a:buChar char="•"/>
-            </a:pPr>
-            <a:r>
-              <a:rPr lang="en-US" altLang="zh-CN" sz="3600" dirty="0" smtClean="0">
-                <a:latin typeface="Adobe Garamond Pro" panose="02020502060506020403" pitchFamily="18" charset="0"/>
-              </a:rPr>
-              <a:t>Animation</a:t>
-            </a:r>
-            <a:endParaRPr lang="en-US" altLang="zh-CN" sz="3600" dirty="0">
-              <a:latin typeface="Adobe Garamond Pro" panose="02020502060506020403" pitchFamily="18" charset="0"/>
-            </a:endParaRPr>
+          <a:ln>
+            <a:solidFill>
+              <a:srgbClr val="FFC000"/>
+            </a:solidFill>
+          </a:ln>
+        </p:spPr>
+        <p:style>
+          <a:lnRef idx="2">
+            <a:schemeClr val="accent1">
+              <a:shade val="50000"/>
+            </a:schemeClr>
+          </a:lnRef>
+          <a:fillRef idx="1">
+            <a:schemeClr val="accent1"/>
+          </a:fillRef>
+          <a:effectRef idx="0">
+            <a:schemeClr val="accent1"/>
+          </a:effectRef>
+          <a:fontRef idx="minor">
+            <a:schemeClr val="lt1"/>
+          </a:fontRef>
+        </p:style>
+        <p:txBody>
+          <a:bodyPr rtlCol="0" anchor="ctr"/>
+          <a:lstStyle/>
+          <a:p>
+            <a:pPr algn="ctr"/>
+            <a:endParaRPr lang="zh-CN" altLang="en-US"/>
+          </a:p>
+        </p:txBody>
+      </p:sp>
+      <p:sp>
+        <p:nvSpPr>
+          <p:cNvPr id="18" name="椭圆 17"/>
+          <p:cNvSpPr/>
+          <p:nvPr/>
+        </p:nvSpPr>
+        <p:spPr>
+          <a:xfrm>
+            <a:off x="4813125" y="3491471"/>
+            <a:ext cx="127969" cy="125648"/>
+          </a:xfrm>
+          <a:prstGeom prst="ellipse">
+            <a:avLst/>
+          </a:prstGeom>
+          <a:solidFill>
+            <a:srgbClr val="FFC000"/>
+          </a:solidFill>
+          <a:ln>
+            <a:noFill/>
+          </a:ln>
+        </p:spPr>
+        <p:style>
+          <a:lnRef idx="2">
+            <a:schemeClr val="accent1">
+              <a:shade val="50000"/>
+            </a:schemeClr>
+          </a:lnRef>
+          <a:fillRef idx="1">
+            <a:schemeClr val="accent1"/>
+          </a:fillRef>
+          <a:effectRef idx="0">
+            <a:schemeClr val="accent1"/>
+          </a:effectRef>
+          <a:fontRef idx="minor">
+            <a:schemeClr val="lt1"/>
+          </a:fontRef>
+        </p:style>
+        <p:txBody>
+          <a:bodyPr rtlCol="0" anchor="ctr"/>
+          <a:lstStyle/>
+          <a:p>
+            <a:pPr algn="ctr"/>
+            <a:endParaRPr lang="zh-CN" altLang="en-US"/>
           </a:p>
         </p:txBody>
       </p:sp>
